--- a/RecipyPresentation.pptx
+++ b/RecipyPresentation.pptx
@@ -5,14 +5,15 @@
     <p:sldMasterId id="2147483648" r:id="rId1"/>
   </p:sldMasterIdLst>
   <p:notesMasterIdLst>
-    <p:notesMasterId r:id="rId7"/>
+    <p:notesMasterId r:id="rId8"/>
   </p:notesMasterIdLst>
   <p:sldIdLst>
     <p:sldId id="256" r:id="rId2"/>
     <p:sldId id="257" r:id="rId3"/>
     <p:sldId id="258" r:id="rId4"/>
-    <p:sldId id="260" r:id="rId5"/>
-    <p:sldId id="261" r:id="rId6"/>
+    <p:sldId id="262" r:id="rId5"/>
+    <p:sldId id="260" r:id="rId6"/>
+    <p:sldId id="261" r:id="rId7"/>
   </p:sldIdLst>
   <p:sldSz cx="9144000" cy="6858000" type="screen4x3"/>
   <p:notesSz cx="6858000" cy="9144000"/>
@@ -728,27 +729,13 @@
           <a:p>
             <a:r>
               <a:rPr lang="en-US" dirty="0" smtClean="0"/>
-              <a:t>Was the source code available on an open repository at presentation time? Teams may choose to work open or work closed. However, building and being able to build on each others work during the HD will be viewed </a:t>
-            </a:r>
-            <a:r>
-              <a:rPr lang="en-US" dirty="0" err="1" smtClean="0"/>
-              <a:t>favourably</a:t>
-            </a:r>
+              <a:t>Was it clear how the work could be taken forward in the future, could it modify existing work or be part of a new paper, initiative or bid?</a:t>
+            </a:r>
+          </a:p>
+          <a:p>
             <a:r>
               <a:rPr lang="en-US" dirty="0" smtClean="0"/>
-              <a:t>.</a:t>
-            </a:r>
-          </a:p>
-          <a:p>
-            <a:r>
-              <a:rPr lang="en-US" dirty="0" smtClean="0"/>
-              <a:t>If you happen to decide that you want a publication from this work then you may choose to be open about your methods but not your data, for example.</a:t>
-            </a:r>
-          </a:p>
-          <a:p>
-            <a:r>
-              <a:rPr lang="en-US" dirty="0" smtClean="0"/>
-              <a:t>Ideally there should be a README covering configuration, make and run instructions included with the code. In addition there should be a brief description of the project and what the software/scripts do along with a license. </a:t>
+              <a:t>Were ideas of future steps provided?</a:t>
             </a:r>
           </a:p>
           <a:p>
@@ -782,7 +769,7 @@
     </p:spTree>
     <p:extLst>
       <p:ext uri="{BB962C8B-B14F-4D97-AF65-F5344CB8AC3E}">
-        <p14:creationId xmlns:p14="http://schemas.microsoft.com/office/powerpoint/2010/main" val="450677386"/>
+        <p14:creationId xmlns:p14="http://schemas.microsoft.com/office/powerpoint/2010/main" val="2178724310"/>
       </p:ext>
     </p:extLst>
   </p:cSld>
@@ -838,13 +825,27 @@
           <a:p>
             <a:r>
               <a:rPr lang="en-US" dirty="0" smtClean="0"/>
-              <a:t>Was it clear how the work could be taken forward in the future, could it modify existing work or be part of a new paper, initiative or bid?</a:t>
-            </a:r>
-          </a:p>
-          <a:p>
+              <a:t>Was the source code available on an open repository at presentation time? Teams may choose to work open or work closed. However, building and being able to build on each others work during the HD will be viewed </a:t>
+            </a:r>
+            <a:r>
+              <a:rPr lang="en-US" dirty="0" err="1" smtClean="0"/>
+              <a:t>favourably</a:t>
+            </a:r>
             <a:r>
               <a:rPr lang="en-US" dirty="0" smtClean="0"/>
-              <a:t>Were ideas of future steps provided?</a:t>
+              <a:t>.</a:t>
+            </a:r>
+          </a:p>
+          <a:p>
+            <a:r>
+              <a:rPr lang="en-US" dirty="0" smtClean="0"/>
+              <a:t>If you happen to decide that you want a publication from this work then you may choose to be open about your methods but not your data, for example.</a:t>
+            </a:r>
+          </a:p>
+          <a:p>
+            <a:r>
+              <a:rPr lang="en-US" dirty="0" smtClean="0"/>
+              <a:t>Ideally there should be a README covering configuration, make and run instructions included with the code. In addition there should be a brief description of the project and what the software/scripts do along with a license. </a:t>
             </a:r>
           </a:p>
           <a:p>
@@ -870,6 +871,102 @@
             <a:fld id="{78A51455-5F3B-3F41-81D4-CFA2752F8676}" type="slidenum">
               <a:rPr lang="en-US" smtClean="0"/>
               <a:t>5</a:t>
+            </a:fld>
+            <a:endParaRPr lang="en-US"/>
+          </a:p>
+        </p:txBody>
+      </p:sp>
+    </p:spTree>
+    <p:extLst>
+      <p:ext uri="{BB962C8B-B14F-4D97-AF65-F5344CB8AC3E}">
+        <p14:creationId xmlns:p14="http://schemas.microsoft.com/office/powerpoint/2010/main" val="450677386"/>
+      </p:ext>
+    </p:extLst>
+  </p:cSld>
+  <p:clrMapOvr>
+    <a:masterClrMapping/>
+  </p:clrMapOvr>
+</p:notes>
+</file>
+
+<file path=ppt/notesSlides/notesSlide5.xml><?xml version="1.0" encoding="utf-8"?>
+<p:notes xmlns:a="http://schemas.openxmlformats.org/drawingml/2006/main" xmlns:r="http://schemas.openxmlformats.org/officeDocument/2006/relationships" xmlns:p="http://schemas.openxmlformats.org/presentationml/2006/main">
+  <p:cSld>
+    <p:spTree>
+      <p:nvGrpSpPr>
+        <p:cNvPr id="1" name=""/>
+        <p:cNvGrpSpPr/>
+        <p:nvPr/>
+      </p:nvGrpSpPr>
+      <p:grpSpPr>
+        <a:xfrm>
+          <a:off x="0" y="0"/>
+          <a:ext cx="0" cy="0"/>
+          <a:chOff x="0" y="0"/>
+          <a:chExt cx="0" cy="0"/>
+        </a:xfrm>
+      </p:grpSpPr>
+      <p:sp>
+        <p:nvSpPr>
+          <p:cNvPr id="2" name="Slide Image Placeholder 1"/>
+          <p:cNvSpPr>
+            <a:spLocks noGrp="1" noRot="1" noChangeAspect="1"/>
+          </p:cNvSpPr>
+          <p:nvPr>
+            <p:ph type="sldImg"/>
+          </p:nvPr>
+        </p:nvSpPr>
+        <p:spPr/>
+      </p:sp>
+      <p:sp>
+        <p:nvSpPr>
+          <p:cNvPr id="3" name="Notes Placeholder 2"/>
+          <p:cNvSpPr>
+            <a:spLocks noGrp="1"/>
+          </p:cNvSpPr>
+          <p:nvPr>
+            <p:ph type="body" idx="1"/>
+          </p:nvPr>
+        </p:nvSpPr>
+        <p:spPr/>
+        <p:txBody>
+          <a:bodyPr/>
+          <a:lstStyle/>
+          <a:p>
+            <a:r>
+              <a:rPr lang="en-US" dirty="0" smtClean="0"/>
+              <a:t>Was it clear how the work could be taken forward in the future, could it modify existing work or be part of a new paper, initiative or bid?</a:t>
+            </a:r>
+          </a:p>
+          <a:p>
+            <a:r>
+              <a:rPr lang="en-US" dirty="0" smtClean="0"/>
+              <a:t>Were ideas of future steps provided?</a:t>
+            </a:r>
+          </a:p>
+          <a:p>
+            <a:endParaRPr lang="en-US" dirty="0"/>
+          </a:p>
+        </p:txBody>
+      </p:sp>
+      <p:sp>
+        <p:nvSpPr>
+          <p:cNvPr id="4" name="Slide Number Placeholder 3"/>
+          <p:cNvSpPr>
+            <a:spLocks noGrp="1"/>
+          </p:cNvSpPr>
+          <p:nvPr>
+            <p:ph type="sldNum" sz="quarter" idx="10"/>
+          </p:nvPr>
+        </p:nvSpPr>
+        <p:spPr/>
+        <p:txBody>
+          <a:bodyPr/>
+          <a:lstStyle/>
+          <a:p>
+            <a:fld id="{78A51455-5F3B-3F41-81D4-CFA2752F8676}" type="slidenum">
+              <a:rPr lang="en-US" smtClean="0"/>
+              <a:t>6</a:t>
             </a:fld>
             <a:endParaRPr lang="en-US"/>
           </a:p>
@@ -4921,53 +5018,30 @@
             <p:ph type="title"/>
           </p:nvPr>
         </p:nvSpPr>
-        <p:spPr/>
-        <p:txBody>
-          <a:bodyPr/>
-          <a:lstStyle/>
-          <a:p>
-            <a:r>
-              <a:rPr lang="en-US" b="1" dirty="0"/>
-              <a:t>Project reproducibility</a:t>
-            </a:r>
-            <a:endParaRPr lang="en-US" dirty="0"/>
-          </a:p>
-        </p:txBody>
-      </p:sp>
-      <p:pic>
-        <p:nvPicPr>
-          <p:cNvPr id="5" name="Content Placeholder 4" descr="Screen Shot 2015-03-27 at 15.00.27.png"/>
-          <p:cNvPicPr>
-            <a:picLocks noGrp="1" noChangeAspect="1"/>
-          </p:cNvPicPr>
-          <p:nvPr>
-            <p:ph idx="1"/>
-          </p:nvPr>
-        </p:nvPicPr>
-        <p:blipFill>
-          <a:blip r:embed="rId3">
-            <a:extLst>
-              <a:ext uri="{28A0092B-C50C-407E-A947-70E740481C1C}">
-                <a14:useLocalDpi xmlns:a14="http://schemas.microsoft.com/office/drawing/2010/main" val="0"/>
-              </a:ext>
-            </a:extLst>
-          </a:blip>
-          <a:srcRect l="5103" r="5103"/>
-          <a:stretch>
-            <a:fillRect/>
-          </a:stretch>
-        </p:blipFill>
         <p:spPr>
           <a:xfrm>
-            <a:off x="457200" y="1600200"/>
-            <a:ext cx="1213189" cy="667207"/>
+            <a:off x="457200" y="2690642"/>
+            <a:ext cx="8229600" cy="1143000"/>
           </a:xfrm>
         </p:spPr>
-      </p:pic>
+        <p:txBody>
+          <a:bodyPr>
+            <a:noAutofit/>
+          </a:bodyPr>
+          <a:lstStyle/>
+          <a:p>
+            <a:r>
+              <a:rPr lang="en-US" sz="8000" b="1" dirty="0" smtClean="0"/>
+              <a:t>Demo</a:t>
+            </a:r>
+            <a:endParaRPr lang="en-US" sz="8000" dirty="0"/>
+          </a:p>
+        </p:txBody>
+      </p:sp>
     </p:spTree>
     <p:extLst>
       <p:ext uri="{BB962C8B-B14F-4D97-AF65-F5344CB8AC3E}">
-        <p14:creationId xmlns:p14="http://schemas.microsoft.com/office/powerpoint/2010/main" val="1178476276"/>
+        <p14:creationId xmlns:p14="http://schemas.microsoft.com/office/powerpoint/2010/main" val="484906465"/>
       </p:ext>
     </p:extLst>
   </p:cSld>
@@ -5018,6 +5092,345 @@
           <a:p>
             <a:r>
               <a:rPr lang="en-US" b="1" dirty="0"/>
+              <a:t>Project reproducibility</a:t>
+            </a:r>
+            <a:endParaRPr lang="en-US" dirty="0"/>
+          </a:p>
+        </p:txBody>
+      </p:sp>
+      <p:sp>
+        <p:nvSpPr>
+          <p:cNvPr id="6" name="Content Placeholder 5"/>
+          <p:cNvSpPr>
+            <a:spLocks noGrp="1"/>
+          </p:cNvSpPr>
+          <p:nvPr>
+            <p:ph idx="1"/>
+          </p:nvPr>
+        </p:nvSpPr>
+        <p:spPr/>
+        <p:txBody>
+          <a:bodyPr>
+            <a:normAutofit/>
+          </a:bodyPr>
+          <a:lstStyle/>
+          <a:p>
+            <a:endParaRPr lang="en-US" sz="2400" dirty="0" smtClean="0"/>
+          </a:p>
+          <a:p>
+            <a:endParaRPr lang="en-US" sz="2400" dirty="0"/>
+          </a:p>
+          <a:p>
+            <a:r>
+              <a:rPr lang="en-US" sz="2400" dirty="0" smtClean="0"/>
+              <a:t>All open source (Apache license)</a:t>
+            </a:r>
+          </a:p>
+          <a:p>
+            <a:r>
+              <a:rPr lang="en-US" sz="2400" dirty="0" smtClean="0"/>
+              <a:t>Full README for all repositories</a:t>
+            </a:r>
+          </a:p>
+          <a:p>
+            <a:r>
+              <a:rPr lang="en-US" sz="2400" dirty="0" err="1" smtClean="0"/>
+              <a:t>MongoDB</a:t>
+            </a:r>
+            <a:r>
+              <a:rPr lang="en-US" sz="2400" dirty="0" smtClean="0"/>
+              <a:t> code snippets in repo</a:t>
+            </a:r>
+            <a:endParaRPr lang="en-US" sz="2400" dirty="0"/>
+          </a:p>
+        </p:txBody>
+      </p:sp>
+      <p:pic>
+        <p:nvPicPr>
+          <p:cNvPr id="7" name="Content Placeholder 4" descr="Screen Shot 2015-03-27 at 15.00.27.png"/>
+          <p:cNvPicPr>
+            <a:picLocks noChangeAspect="1"/>
+          </p:cNvPicPr>
+          <p:nvPr/>
+        </p:nvPicPr>
+        <p:blipFill>
+          <a:blip r:embed="rId3">
+            <a:extLst>
+              <a:ext uri="{28A0092B-C50C-407E-A947-70E740481C1C}">
+                <a14:useLocalDpi xmlns:a14="http://schemas.microsoft.com/office/drawing/2010/main" val="0"/>
+              </a:ext>
+            </a:extLst>
+          </a:blip>
+          <a:srcRect l="5103" r="5103"/>
+          <a:stretch>
+            <a:fillRect/>
+          </a:stretch>
+        </p:blipFill>
+        <p:spPr>
+          <a:xfrm>
+            <a:off x="2251533" y="1657030"/>
+            <a:ext cx="1213189" cy="667207"/>
+          </a:xfrm>
+          <a:prstGeom prst="rect">
+            <a:avLst/>
+          </a:prstGeom>
+        </p:spPr>
+      </p:pic>
+      <p:sp>
+        <p:nvSpPr>
+          <p:cNvPr id="8" name="Rectangle 7"/>
+          <p:cNvSpPr/>
+          <p:nvPr/>
+        </p:nvSpPr>
+        <p:spPr>
+          <a:xfrm>
+            <a:off x="4044527" y="1675545"/>
+            <a:ext cx="4112724" cy="523220"/>
+          </a:xfrm>
+          <a:prstGeom prst="rect">
+            <a:avLst/>
+          </a:prstGeom>
+        </p:spPr>
+        <p:txBody>
+          <a:bodyPr wrap="none">
+            <a:spAutoFit/>
+          </a:bodyPr>
+          <a:lstStyle/>
+          <a:p>
+            <a:r>
+              <a:rPr lang="en-US" sz="2800" b="1" dirty="0" smtClean="0"/>
+              <a:t>https://</a:t>
+            </a:r>
+            <a:r>
+              <a:rPr lang="en-US" sz="2800" b="1" dirty="0" err="1" smtClean="0"/>
+              <a:t>github.com</a:t>
+            </a:r>
+            <a:r>
+              <a:rPr lang="en-US" sz="2800" b="1" dirty="0" smtClean="0"/>
+              <a:t>/</a:t>
+            </a:r>
+            <a:r>
+              <a:rPr lang="en-US" sz="2800" b="1" dirty="0" err="1" smtClean="0"/>
+              <a:t>recipy</a:t>
+            </a:r>
+            <a:endParaRPr lang="en-US" sz="2800" b="1" dirty="0"/>
+          </a:p>
+        </p:txBody>
+      </p:sp>
+      <p:sp>
+        <p:nvSpPr>
+          <p:cNvPr id="9" name="TextBox 8"/>
+          <p:cNvSpPr txBox="1"/>
+          <p:nvPr/>
+        </p:nvSpPr>
+        <p:spPr>
+          <a:xfrm>
+            <a:off x="429590" y="4100311"/>
+            <a:ext cx="8229600" cy="1938992"/>
+          </a:xfrm>
+          <a:prstGeom prst="rect">
+            <a:avLst/>
+          </a:prstGeom>
+          <a:noFill/>
+        </p:spPr>
+        <p:txBody>
+          <a:bodyPr wrap="square" rtlCol="0">
+            <a:spAutoFit/>
+          </a:bodyPr>
+          <a:lstStyle/>
+          <a:p>
+            <a:pPr algn="ctr"/>
+            <a:r>
+              <a:rPr lang="en-US" sz="6000" b="1" dirty="0" smtClean="0"/>
+              <a:t>Enables reproducibility </a:t>
+            </a:r>
+            <a:r>
+              <a:rPr lang="en-US" sz="6000" b="1" dirty="0" smtClean="0">
+                <a:solidFill>
+                  <a:srgbClr val="FF0000"/>
+                </a:solidFill>
+              </a:rPr>
+              <a:t>without effort</a:t>
+            </a:r>
+            <a:endParaRPr lang="en-US" sz="8800" b="1" dirty="0">
+              <a:solidFill>
+                <a:srgbClr val="FF0000"/>
+              </a:solidFill>
+            </a:endParaRPr>
+          </a:p>
+        </p:txBody>
+      </p:sp>
+    </p:spTree>
+    <p:extLst>
+      <p:ext uri="{BB962C8B-B14F-4D97-AF65-F5344CB8AC3E}">
+        <p14:creationId xmlns:p14="http://schemas.microsoft.com/office/powerpoint/2010/main" val="1178476276"/>
+      </p:ext>
+    </p:extLst>
+  </p:cSld>
+  <p:clrMapOvr>
+    <a:masterClrMapping/>
+  </p:clrMapOvr>
+  <p:timing>
+    <p:tnLst>
+      <p:par>
+        <p:cTn xmlns:p14="http://schemas.microsoft.com/office/powerpoint/2010/main" id="1" dur="indefinite" restart="never" nodeType="tmRoot">
+          <p:childTnLst>
+            <p:seq concurrent="1" nextAc="seek">
+              <p:cTn id="2" dur="indefinite" nodeType="mainSeq">
+                <p:childTnLst>
+                  <p:par>
+                    <p:cTn id="3" fill="hold">
+                      <p:stCondLst>
+                        <p:cond delay="indefinite"/>
+                      </p:stCondLst>
+                      <p:childTnLst>
+                        <p:par>
+                          <p:cTn id="4" fill="hold">
+                            <p:stCondLst>
+                              <p:cond delay="0"/>
+                            </p:stCondLst>
+                            <p:childTnLst>
+                              <p:par>
+                                <p:cTn id="5" presetID="1" presetClass="entr" presetSubtype="0" fill="hold" grpId="0" nodeType="clickEffect">
+                                  <p:stCondLst>
+                                    <p:cond delay="0"/>
+                                  </p:stCondLst>
+                                  <p:childTnLst>
+                                    <p:set>
+                                      <p:cBhvr>
+                                        <p:cTn id="6" dur="1" fill="hold">
+                                          <p:stCondLst>
+                                            <p:cond delay="0"/>
+                                          </p:stCondLst>
+                                        </p:cTn>
+                                        <p:tgtEl>
+                                          <p:spTgt spid="9"/>
+                                        </p:tgtEl>
+                                        <p:attrNameLst>
+                                          <p:attrName>style.visibility</p:attrName>
+                                        </p:attrNameLst>
+                                      </p:cBhvr>
+                                      <p:to>
+                                        <p:strVal val="visible"/>
+                                      </p:to>
+                                    </p:set>
+                                  </p:childTnLst>
+                                </p:cTn>
+                              </p:par>
+                            </p:childTnLst>
+                          </p:cTn>
+                        </p:par>
+                      </p:childTnLst>
+                    </p:cTn>
+                  </p:par>
+                  <p:par>
+                    <p:cTn id="7" fill="hold">
+                      <p:stCondLst>
+                        <p:cond delay="indefinite"/>
+                      </p:stCondLst>
+                      <p:childTnLst>
+                        <p:par>
+                          <p:cTn id="8" fill="hold">
+                            <p:stCondLst>
+                              <p:cond delay="0"/>
+                            </p:stCondLst>
+                            <p:childTnLst>
+                              <p:par>
+                                <p:cTn id="9" presetID="1" presetClass="entr" presetSubtype="0" fill="hold" grpId="1" nodeType="clickEffect">
+                                  <p:stCondLst>
+                                    <p:cond delay="0"/>
+                                  </p:stCondLst>
+                                  <p:childTnLst>
+                                    <p:set>
+                                      <p:cBhvr>
+                                        <p:cTn id="10" dur="1" fill="hold">
+                                          <p:stCondLst>
+                                            <p:cond delay="0"/>
+                                          </p:stCondLst>
+                                        </p:cTn>
+                                        <p:tgtEl>
+                                          <p:spTgt spid="9"/>
+                                        </p:tgtEl>
+                                        <p:attrNameLst>
+                                          <p:attrName>style.visibility</p:attrName>
+                                        </p:attrNameLst>
+                                      </p:cBhvr>
+                                      <p:to>
+                                        <p:strVal val="visible"/>
+                                      </p:to>
+                                    </p:set>
+                                  </p:childTnLst>
+                                </p:cTn>
+                              </p:par>
+                            </p:childTnLst>
+                          </p:cTn>
+                        </p:par>
+                      </p:childTnLst>
+                    </p:cTn>
+                  </p:par>
+                </p:childTnLst>
+              </p:cTn>
+              <p:prevCondLst>
+                <p:cond evt="onPrev" delay="0">
+                  <p:tgtEl>
+                    <p:sldTgt/>
+                  </p:tgtEl>
+                </p:cond>
+              </p:prevCondLst>
+              <p:nextCondLst>
+                <p:cond evt="onNext" delay="0">
+                  <p:tgtEl>
+                    <p:sldTgt/>
+                  </p:tgtEl>
+                </p:cond>
+              </p:nextCondLst>
+            </p:seq>
+          </p:childTnLst>
+        </p:cTn>
+      </p:par>
+    </p:tnLst>
+    <p:bldLst>
+      <p:bldP spid="9" grpId="0"/>
+      <p:bldP spid="9" grpId="1"/>
+    </p:bldLst>
+  </p:timing>
+</p:sld>
+</file>
+
+<file path=ppt/slides/slide6.xml><?xml version="1.0" encoding="utf-8"?>
+<p:sld xmlns:a="http://schemas.openxmlformats.org/drawingml/2006/main" xmlns:r="http://schemas.openxmlformats.org/officeDocument/2006/relationships" xmlns:p="http://schemas.openxmlformats.org/presentationml/2006/main">
+  <p:cSld>
+    <p:spTree>
+      <p:nvGrpSpPr>
+        <p:cNvPr id="1" name=""/>
+        <p:cNvGrpSpPr/>
+        <p:nvPr/>
+      </p:nvGrpSpPr>
+      <p:grpSpPr>
+        <a:xfrm>
+          <a:off x="0" y="0"/>
+          <a:ext cx="0" cy="0"/>
+          <a:chOff x="0" y="0"/>
+          <a:chExt cx="0" cy="0"/>
+        </a:xfrm>
+      </p:grpSpPr>
+      <p:sp>
+        <p:nvSpPr>
+          <p:cNvPr id="2" name="Title 1"/>
+          <p:cNvSpPr>
+            <a:spLocks noGrp="1"/>
+          </p:cNvSpPr>
+          <p:nvPr>
+            <p:ph type="title"/>
+          </p:nvPr>
+        </p:nvSpPr>
+        <p:spPr/>
+        <p:txBody>
+          <a:bodyPr/>
+          <a:lstStyle/>
+          <a:p>
+            <a:r>
+              <a:rPr lang="en-US" b="1" dirty="0"/>
               <a:t>Future potential</a:t>
             </a:r>
             <a:endParaRPr lang="en-US" dirty="0"/>
@@ -5034,7 +5447,12 @@
             <p:ph idx="1"/>
           </p:nvPr>
         </p:nvSpPr>
-        <p:spPr/>
+        <p:spPr>
+          <a:xfrm>
+            <a:off x="457200" y="1600200"/>
+            <a:ext cx="8229600" cy="4943719"/>
+          </a:xfrm>
+        </p:spPr>
         <p:txBody>
           <a:bodyPr>
             <a:normAutofit fontScale="92500" lnSpcReduction="10000"/>
@@ -5111,6 +5529,17 @@
             <a:r>
               <a:rPr lang="en-US" dirty="0" smtClean="0"/>
               <a:t>Add more Python hooks</a:t>
+            </a:r>
+          </a:p>
+          <a:p>
+            <a:pPr lvl="1"/>
+            <a:r>
+              <a:rPr lang="en-US" dirty="0" err="1" smtClean="0"/>
+              <a:t>Git</a:t>
+            </a:r>
+            <a:r>
+              <a:rPr lang="en-US" dirty="0" smtClean="0"/>
+              <a:t> integration</a:t>
             </a:r>
             <a:endParaRPr lang="en-US" dirty="0"/>
           </a:p>
